--- a/ICT/ICT/ICT slides/Lecture 10 slides (ICT).pptx
+++ b/ICT/ICT/ICT slides/Lecture 10 slides (ICT).pptx
@@ -224,7 +224,7 @@
           <a:p>
             <a:fld id="{1FB87873-B5E4-4AA6-9C7E-A90751762863}" type="datetimeFigureOut">
               <a:rPr lang="en-PK" smtClean="0"/>
-              <a:t>24/11/2024</a:t>
+              <a:t>04/28/2025</a:t>
             </a:fld>
             <a:endParaRPr lang="en-PK"/>
           </a:p>
@@ -678,7 +678,7 @@
           <a:p>
             <a:fld id="{285CCA55-E385-4BD4-8F8C-55EEF080A453}" type="datetimeFigureOut">
               <a:rPr lang="en-PK" smtClean="0"/>
-              <a:t>24/11/2024</a:t>
+              <a:t>04/28/2025</a:t>
             </a:fld>
             <a:endParaRPr lang="en-PK"/>
           </a:p>
@@ -953,7 +953,7 @@
           <a:p>
             <a:fld id="{285CCA55-E385-4BD4-8F8C-55EEF080A453}" type="datetimeFigureOut">
               <a:rPr lang="en-PK" smtClean="0"/>
-              <a:t>24/11/2024</a:t>
+              <a:t>04/28/2025</a:t>
             </a:fld>
             <a:endParaRPr lang="en-PK"/>
           </a:p>
@@ -1147,7 +1147,7 @@
           <a:p>
             <a:fld id="{285CCA55-E385-4BD4-8F8C-55EEF080A453}" type="datetimeFigureOut">
               <a:rPr lang="en-PK" smtClean="0"/>
-              <a:t>24/11/2024</a:t>
+              <a:t>04/28/2025</a:t>
             </a:fld>
             <a:endParaRPr lang="en-PK"/>
           </a:p>
@@ -1420,7 +1420,7 @@
           <a:p>
             <a:fld id="{285CCA55-E385-4BD4-8F8C-55EEF080A453}" type="datetimeFigureOut">
               <a:rPr lang="en-PK" smtClean="0"/>
-              <a:t>24/11/2024</a:t>
+              <a:t>04/28/2025</a:t>
             </a:fld>
             <a:endParaRPr lang="en-PK"/>
           </a:p>
@@ -1761,7 +1761,7 @@
           <a:p>
             <a:fld id="{285CCA55-E385-4BD4-8F8C-55EEF080A453}" type="datetimeFigureOut">
               <a:rPr lang="en-PK" smtClean="0"/>
-              <a:t>24/11/2024</a:t>
+              <a:t>04/28/2025</a:t>
             </a:fld>
             <a:endParaRPr lang="en-PK"/>
           </a:p>
@@ -2384,7 +2384,7 @@
           <a:p>
             <a:fld id="{285CCA55-E385-4BD4-8F8C-55EEF080A453}" type="datetimeFigureOut">
               <a:rPr lang="en-PK" smtClean="0"/>
-              <a:t>24/11/2024</a:t>
+              <a:t>04/28/2025</a:t>
             </a:fld>
             <a:endParaRPr lang="en-PK"/>
           </a:p>
@@ -3244,7 +3244,7 @@
           <a:p>
             <a:fld id="{285CCA55-E385-4BD4-8F8C-55EEF080A453}" type="datetimeFigureOut">
               <a:rPr lang="en-PK" smtClean="0"/>
-              <a:t>24/11/2024</a:t>
+              <a:t>04/28/2025</a:t>
             </a:fld>
             <a:endParaRPr lang="en-PK"/>
           </a:p>
@@ -3414,7 +3414,7 @@
           <a:p>
             <a:fld id="{285CCA55-E385-4BD4-8F8C-55EEF080A453}" type="datetimeFigureOut">
               <a:rPr lang="en-PK" smtClean="0"/>
-              <a:t>24/11/2024</a:t>
+              <a:t>04/28/2025</a:t>
             </a:fld>
             <a:endParaRPr lang="en-PK"/>
           </a:p>
@@ -3594,7 +3594,7 @@
           <a:p>
             <a:fld id="{285CCA55-E385-4BD4-8F8C-55EEF080A453}" type="datetimeFigureOut">
               <a:rPr lang="en-PK" smtClean="0"/>
-              <a:t>24/11/2024</a:t>
+              <a:t>04/28/2025</a:t>
             </a:fld>
             <a:endParaRPr lang="en-PK"/>
           </a:p>
@@ -3764,7 +3764,7 @@
           <a:p>
             <a:fld id="{285CCA55-E385-4BD4-8F8C-55EEF080A453}" type="datetimeFigureOut">
               <a:rPr lang="en-PK" smtClean="0"/>
-              <a:t>24/11/2024</a:t>
+              <a:t>04/28/2025</a:t>
             </a:fld>
             <a:endParaRPr lang="en-PK"/>
           </a:p>
@@ -4011,7 +4011,7 @@
           <a:p>
             <a:fld id="{285CCA55-E385-4BD4-8F8C-55EEF080A453}" type="datetimeFigureOut">
               <a:rPr lang="en-PK" smtClean="0"/>
-              <a:t>24/11/2024</a:t>
+              <a:t>04/28/2025</a:t>
             </a:fld>
             <a:endParaRPr lang="en-PK"/>
           </a:p>
@@ -4303,7 +4303,7 @@
           <a:p>
             <a:fld id="{285CCA55-E385-4BD4-8F8C-55EEF080A453}" type="datetimeFigureOut">
               <a:rPr lang="en-PK" smtClean="0"/>
-              <a:t>24/11/2024</a:t>
+              <a:t>04/28/2025</a:t>
             </a:fld>
             <a:endParaRPr lang="en-PK"/>
           </a:p>
@@ -4747,7 +4747,7 @@
           <a:p>
             <a:fld id="{285CCA55-E385-4BD4-8F8C-55EEF080A453}" type="datetimeFigureOut">
               <a:rPr lang="en-PK" smtClean="0"/>
-              <a:t>24/11/2024</a:t>
+              <a:t>04/28/2025</a:t>
             </a:fld>
             <a:endParaRPr lang="en-PK"/>
           </a:p>
@@ -4865,7 +4865,7 @@
           <a:p>
             <a:fld id="{285CCA55-E385-4BD4-8F8C-55EEF080A453}" type="datetimeFigureOut">
               <a:rPr lang="en-PK" smtClean="0"/>
-              <a:t>24/11/2024</a:t>
+              <a:t>04/28/2025</a:t>
             </a:fld>
             <a:endParaRPr lang="en-PK"/>
           </a:p>
@@ -4960,7 +4960,7 @@
           <a:p>
             <a:fld id="{285CCA55-E385-4BD4-8F8C-55EEF080A453}" type="datetimeFigureOut">
               <a:rPr lang="en-PK" smtClean="0"/>
-              <a:t>24/11/2024</a:t>
+              <a:t>04/28/2025</a:t>
             </a:fld>
             <a:endParaRPr lang="en-PK"/>
           </a:p>
@@ -5239,7 +5239,7 @@
           <a:p>
             <a:fld id="{285CCA55-E385-4BD4-8F8C-55EEF080A453}" type="datetimeFigureOut">
               <a:rPr lang="en-PK" smtClean="0"/>
-              <a:t>24/11/2024</a:t>
+              <a:t>04/28/2025</a:t>
             </a:fld>
             <a:endParaRPr lang="en-PK"/>
           </a:p>
@@ -5514,7 +5514,7 @@
           <a:p>
             <a:fld id="{285CCA55-E385-4BD4-8F8C-55EEF080A453}" type="datetimeFigureOut">
               <a:rPr lang="en-PK" smtClean="0"/>
-              <a:t>24/11/2024</a:t>
+              <a:t>04/28/2025</a:t>
             </a:fld>
             <a:endParaRPr lang="en-PK"/>
           </a:p>
@@ -5943,7 +5943,7 @@
           <a:p>
             <a:fld id="{285CCA55-E385-4BD4-8F8C-55EEF080A453}" type="datetimeFigureOut">
               <a:rPr lang="en-PK" smtClean="0"/>
-              <a:t>24/11/2024</a:t>
+              <a:t>04/28/2025</a:t>
             </a:fld>
             <a:endParaRPr lang="en-PK"/>
           </a:p>
